--- a/W05/W05_02_改造mnist.pptx
+++ b/W05/W05_02_改造mnist.pptx
@@ -258,7 +258,7 @@
   </p:defaultTextStyle>
   <p:extLst>
     <p:ext uri="{EFAFB233-063F-42B5-8137-9DF3F51BA10A}">
-      <p15:sldGuideLst xmlns:ahyp="http://schemas.microsoft.com/office/drawing/2018/hyperlinkcolor" xmlns:p15="http://schemas.microsoft.com/office/powerpoint/2012/main" xmlns:p14="http://schemas.microsoft.com/office/powerpoint/2010/main" xmlns:com="http://schemas.openxmlformats.org/drawingml/2006/compatibility" xmlns:pvml="urn:schemas-microsoft-com:office:powerpoint" xmlns:v="urn:schemas-microsoft-com:vml" xmlns:o="urn:schemas-microsoft-com:office:office" xmlns:dgm="http://schemas.openxmlformats.org/drawingml/2006/diagram" xmlns:c="http://schemas.openxmlformats.org/drawingml/2006/chart" xmlns:mv="urn:schemas-microsoft-com:mac:vml" xmlns:mc="http://schemas.openxmlformats.org/markup-compatibility/2006" xmlns="">
+      <p15:sldGuideLst xmlns="" xmlns:mc="http://schemas.openxmlformats.org/markup-compatibility/2006" xmlns:mv="urn:schemas-microsoft-com:mac:vml" xmlns:c="http://schemas.openxmlformats.org/drawingml/2006/chart" xmlns:dgm="http://schemas.openxmlformats.org/drawingml/2006/diagram" xmlns:o="urn:schemas-microsoft-com:office:office" xmlns:v="urn:schemas-microsoft-com:vml" xmlns:pvml="urn:schemas-microsoft-com:office:powerpoint" xmlns:com="http://schemas.openxmlformats.org/drawingml/2006/compatibility" xmlns:p14="http://schemas.microsoft.com/office/powerpoint/2010/main" xmlns:p15="http://schemas.microsoft.com/office/powerpoint/2012/main" xmlns:ahyp="http://schemas.microsoft.com/office/drawing/2018/hyperlinkcolor">
         <p15:guide id="1" orient="horz" pos="2160">
           <p15:clr>
             <a:srgbClr val="000000"/>
@@ -12581,6 +12581,7 @@
             <a:endParaRPr lang="en-US" altLang="zh-TW" dirty="0" smtClean="0"/>
           </a:p>
           <a:p>
+            <a:pPr lvl="1"/>
             <a:r>
               <a:rPr lang="en-US" altLang="zh-TW" dirty="0" smtClean="0"/>
               <a:t>256 </a:t>
@@ -12620,13 +12621,10 @@
             <a:endParaRPr lang="en-US" altLang="zh-TW" dirty="0" smtClean="0"/>
           </a:p>
           <a:p>
+            <a:pPr lvl="1"/>
             <a:r>
               <a:rPr lang="en-US" altLang="zh-TW" dirty="0" err="1" smtClean="0"/>
-              <a:t>r</a:t>
-            </a:r>
-            <a:r>
-              <a:rPr lang="en-US" altLang="zh-TW" dirty="0" err="1" smtClean="0"/>
-              <a:t>elu</a:t>
+              <a:t>relu</a:t>
             </a:r>
             <a:r>
               <a:rPr lang="zh-TW" altLang="en-US" dirty="0" smtClean="0"/>
@@ -12683,7 +12681,37 @@
               <a:rPr lang="zh-TW" altLang="en-US" dirty="0" smtClean="0">
                 <a:sym typeface="Wingdings" pitchFamily="2" charset="2"/>
               </a:rPr>
-              <a:t> 的數量</a:t>
+              <a:t> 的</a:t>
+            </a:r>
+            <a:r>
+              <a:rPr lang="zh-TW" altLang="en-US" dirty="0" smtClean="0">
+                <a:sym typeface="Wingdings" pitchFamily="2" charset="2"/>
+              </a:rPr>
+              <a:t>數量</a:t>
+            </a:r>
+            <a:endParaRPr lang="en-US" altLang="zh-TW" dirty="0" smtClean="0">
+              <a:sym typeface="Wingdings" pitchFamily="2" charset="2"/>
+            </a:endParaRPr>
+          </a:p>
+          <a:p>
+            <a:pPr lvl="1"/>
+            <a:r>
+              <a:rPr lang="en-US" altLang="zh-TW" dirty="0" smtClean="0">
+                <a:sym typeface="Wingdings" pitchFamily="2" charset="2"/>
+              </a:rPr>
+              <a:t>5  10  </a:t>
+            </a:r>
+            <a:r>
+              <a:rPr lang="zh-TW" altLang="en-US" dirty="0" smtClean="0">
+                <a:sym typeface="Wingdings" pitchFamily="2" charset="2"/>
+              </a:rPr>
+              <a:t> </a:t>
+            </a:r>
+            <a:r>
+              <a:rPr lang="en-US" altLang="zh-TW" dirty="0" smtClean="0">
+                <a:sym typeface="Wingdings" pitchFamily="2" charset="2"/>
+              </a:rPr>
+              <a:t>20</a:t>
             </a:r>
             <a:endParaRPr lang="en-US" altLang="zh-TW" dirty="0" smtClean="0">
               <a:sym typeface="Wingdings" pitchFamily="2" charset="2"/>
@@ -12701,6 +12729,74 @@
             </a:endParaRPr>
           </a:p>
           <a:p>
+            <a:pPr lvl="1"/>
+            <a:r>
+              <a:rPr lang="en-US" altLang="zh-TW" dirty="0" smtClean="0"/>
+              <a:t>128</a:t>
+            </a:r>
+            <a:r>
+              <a:rPr lang="zh-TW" altLang="en-US" dirty="0" smtClean="0"/>
+              <a:t> </a:t>
+            </a:r>
+            <a:r>
+              <a:rPr lang="en-US" altLang="zh-TW" dirty="0" smtClean="0">
+                <a:sym typeface="Wingdings" pitchFamily="2" charset="2"/>
+              </a:rPr>
+              <a:t> 512 </a:t>
+            </a:r>
+            <a:r>
+              <a:rPr lang="zh-TW" altLang="en-US" dirty="0" smtClean="0">
+                <a:sym typeface="Wingdings" pitchFamily="2" charset="2"/>
+              </a:rPr>
+              <a:t> </a:t>
+            </a:r>
+            <a:r>
+              <a:rPr lang="en-US" altLang="zh-TW" dirty="0" smtClean="0">
+                <a:sym typeface="Wingdings" pitchFamily="2" charset="2"/>
+              </a:rPr>
+              <a:t>16</a:t>
+            </a:r>
+          </a:p>
+          <a:p>
+            <a:r>
+              <a:rPr lang="en-US" altLang="zh-TW" dirty="0" smtClean="0"/>
+              <a:t>Optimizer</a:t>
+            </a:r>
+          </a:p>
+          <a:p>
+            <a:pPr lvl="1"/>
+            <a:r>
+              <a:rPr lang="en-US" b="1" dirty="0" smtClean="0"/>
+              <a:t>SGD , </a:t>
+            </a:r>
+            <a:r>
+              <a:rPr lang="en-US" b="1" dirty="0" err="1" smtClean="0"/>
+              <a:t>RMSprop</a:t>
+            </a:r>
+            <a:r>
+              <a:rPr lang="en-US" b="1" dirty="0" smtClean="0"/>
+              <a:t> , </a:t>
+            </a:r>
+            <a:r>
+              <a:rPr lang="en-US" b="1" dirty="0" err="1" smtClean="0"/>
+              <a:t>Adagrad</a:t>
+            </a:r>
+            <a:r>
+              <a:rPr lang="en-US" b="1" dirty="0" smtClean="0"/>
+              <a:t> , </a:t>
+            </a:r>
+            <a:r>
+              <a:rPr lang="en-US" b="1" dirty="0" err="1" smtClean="0"/>
+              <a:t>Adadelta</a:t>
+            </a:r>
+            <a:r>
+              <a:rPr lang="en-US" b="1" dirty="0" smtClean="0"/>
+              <a:t> , Adam , </a:t>
+            </a:r>
+            <a:r>
+              <a:rPr lang="en-US" b="1" dirty="0" err="1" smtClean="0"/>
+              <a:t>Adamax</a:t>
+            </a:r>
             <a:endParaRPr lang="en-US" altLang="zh-TW" dirty="0" smtClean="0"/>
           </a:p>
           <a:p>
